--- a/intro.pptx
+++ b/intro.pptx
@@ -215,7 +215,7 @@
           <a:p>
             <a:fld id="{EA2B2AB2-3512-4208-82FA-B044098EC914}" type="datetimeFigureOut">
               <a:rPr lang="ru-RU" smtClean="0"/>
-              <a:t>31.08.2021</a:t>
+              <a:t>08.09.2021</a:t>
             </a:fld>
             <a:endParaRPr lang="ru-RU"/>
           </a:p>
@@ -629,7 +629,7 @@
           <a:p>
             <a:fld id="{F38840AF-E508-44FC-BD72-3DE464DF4255}" type="datetimeFigureOut">
               <a:rPr lang="ru-RU" smtClean="0"/>
-              <a:t>31.08.2021</a:t>
+              <a:t>08.09.2021</a:t>
             </a:fld>
             <a:endParaRPr lang="ru-RU"/>
           </a:p>
@@ -827,7 +827,7 @@
           <a:p>
             <a:fld id="{F38840AF-E508-44FC-BD72-3DE464DF4255}" type="datetimeFigureOut">
               <a:rPr lang="ru-RU" smtClean="0"/>
-              <a:t>31.08.2021</a:t>
+              <a:t>08.09.2021</a:t>
             </a:fld>
             <a:endParaRPr lang="ru-RU"/>
           </a:p>
@@ -1035,7 +1035,7 @@
           <a:p>
             <a:fld id="{F38840AF-E508-44FC-BD72-3DE464DF4255}" type="datetimeFigureOut">
               <a:rPr lang="ru-RU" smtClean="0"/>
-              <a:t>31.08.2021</a:t>
+              <a:t>08.09.2021</a:t>
             </a:fld>
             <a:endParaRPr lang="ru-RU"/>
           </a:p>
@@ -1233,7 +1233,7 @@
           <a:p>
             <a:fld id="{F38840AF-E508-44FC-BD72-3DE464DF4255}" type="datetimeFigureOut">
               <a:rPr lang="ru-RU" smtClean="0"/>
-              <a:t>31.08.2021</a:t>
+              <a:t>08.09.2021</a:t>
             </a:fld>
             <a:endParaRPr lang="ru-RU"/>
           </a:p>
@@ -1508,7 +1508,7 @@
           <a:p>
             <a:fld id="{F38840AF-E508-44FC-BD72-3DE464DF4255}" type="datetimeFigureOut">
               <a:rPr lang="ru-RU" smtClean="0"/>
-              <a:t>31.08.2021</a:t>
+              <a:t>08.09.2021</a:t>
             </a:fld>
             <a:endParaRPr lang="ru-RU"/>
           </a:p>
@@ -1773,7 +1773,7 @@
           <a:p>
             <a:fld id="{F38840AF-E508-44FC-BD72-3DE464DF4255}" type="datetimeFigureOut">
               <a:rPr lang="ru-RU" smtClean="0"/>
-              <a:t>31.08.2021</a:t>
+              <a:t>08.09.2021</a:t>
             </a:fld>
             <a:endParaRPr lang="ru-RU"/>
           </a:p>
@@ -2185,7 +2185,7 @@
           <a:p>
             <a:fld id="{F38840AF-E508-44FC-BD72-3DE464DF4255}" type="datetimeFigureOut">
               <a:rPr lang="ru-RU" smtClean="0"/>
-              <a:t>31.08.2021</a:t>
+              <a:t>08.09.2021</a:t>
             </a:fld>
             <a:endParaRPr lang="ru-RU"/>
           </a:p>
@@ -2326,7 +2326,7 @@
           <a:p>
             <a:fld id="{F38840AF-E508-44FC-BD72-3DE464DF4255}" type="datetimeFigureOut">
               <a:rPr lang="ru-RU" smtClean="0"/>
-              <a:t>31.08.2021</a:t>
+              <a:t>08.09.2021</a:t>
             </a:fld>
             <a:endParaRPr lang="ru-RU"/>
           </a:p>
@@ -2439,7 +2439,7 @@
           <a:p>
             <a:fld id="{F38840AF-E508-44FC-BD72-3DE464DF4255}" type="datetimeFigureOut">
               <a:rPr lang="ru-RU" smtClean="0"/>
-              <a:t>31.08.2021</a:t>
+              <a:t>08.09.2021</a:t>
             </a:fld>
             <a:endParaRPr lang="ru-RU"/>
           </a:p>
@@ -2750,7 +2750,7 @@
           <a:p>
             <a:fld id="{F38840AF-E508-44FC-BD72-3DE464DF4255}" type="datetimeFigureOut">
               <a:rPr lang="ru-RU" smtClean="0"/>
-              <a:t>31.08.2021</a:t>
+              <a:t>08.09.2021</a:t>
             </a:fld>
             <a:endParaRPr lang="ru-RU"/>
           </a:p>
@@ -3038,7 +3038,7 @@
           <a:p>
             <a:fld id="{F38840AF-E508-44FC-BD72-3DE464DF4255}" type="datetimeFigureOut">
               <a:rPr lang="ru-RU" smtClean="0"/>
-              <a:t>31.08.2021</a:t>
+              <a:t>08.09.2021</a:t>
             </a:fld>
             <a:endParaRPr lang="ru-RU"/>
           </a:p>
@@ -3164,7 +3164,7 @@
           <a:graphicData uri="http://schemas.openxmlformats.org/presentationml/2006/ole">
             <mc:AlternateContent xmlns:mc="http://schemas.openxmlformats.org/markup-compatibility/2006">
               <mc:Choice xmlns:v="urn:schemas-microsoft-com:vml" Requires="v">
-                <p:oleObj spid="_x0000_s1044" name="Слайд think-cell" r:id="rId15" imgW="416" imgH="416" progId="TCLayout.ActiveDocument.1">
+                <p:oleObj spid="_x0000_s1045" name="Слайд think-cell" r:id="rId15" imgW="416" imgH="416" progId="TCLayout.ActiveDocument.1">
                   <p:embed/>
                 </p:oleObj>
               </mc:Choice>
@@ -3345,7 +3345,7 @@
           <a:p>
             <a:fld id="{F38840AF-E508-44FC-BD72-3DE464DF4255}" type="datetimeFigureOut">
               <a:rPr lang="ru-RU" smtClean="0"/>
-              <a:t>31.08.2021</a:t>
+              <a:t>08.09.2021</a:t>
             </a:fld>
             <a:endParaRPr lang="ru-RU"/>
           </a:p>
@@ -3788,7 +3788,7 @@
           <a:graphicData uri="http://schemas.openxmlformats.org/presentationml/2006/ole">
             <mc:AlternateContent xmlns:mc="http://schemas.openxmlformats.org/markup-compatibility/2006">
               <mc:Choice xmlns:v="urn:schemas-microsoft-com:vml" Requires="v">
-                <p:oleObj spid="_x0000_s4119" name="Слайд think-cell" r:id="rId4" imgW="416" imgH="416" progId="TCLayout.ActiveDocument.1">
+                <p:oleObj spid="_x0000_s4120" name="Слайд think-cell" r:id="rId4" imgW="416" imgH="416" progId="TCLayout.ActiveDocument.1">
                   <p:embed/>
                 </p:oleObj>
               </mc:Choice>
@@ -4059,7 +4059,7 @@
                 <a:ea typeface="+mj-ea"/>
                 <a:cs typeface="Segoe UI" panose="020B0502040204020203" pitchFamily="34" charset="0"/>
               </a:rPr>
-              <a:t>01</a:t>
+              <a:t>0</a:t>
             </a:r>
             <a:r>
               <a:rPr lang="ru-RU" spc="-60" dirty="0">
@@ -4073,7 +4073,7 @@
                 <a:ea typeface="+mj-ea"/>
                 <a:cs typeface="Segoe UI" panose="020B0502040204020203" pitchFamily="34" charset="0"/>
               </a:rPr>
-              <a:t>.0</a:t>
+              <a:t>8.0</a:t>
             </a:r>
             <a:r>
               <a:rPr lang="en-US" spc="-60" dirty="0">
@@ -4234,7 +4234,7 @@
           <a:graphicData uri="http://schemas.openxmlformats.org/presentationml/2006/ole">
             <mc:AlternateContent xmlns:mc="http://schemas.openxmlformats.org/markup-compatibility/2006">
               <mc:Choice xmlns:v="urn:schemas-microsoft-com:vml" Requires="v">
-                <p:oleObj spid="_x0000_s10265" name="Слайд think-cell" r:id="rId4" imgW="416" imgH="416" progId="TCLayout.ActiveDocument.1">
+                <p:oleObj spid="_x0000_s10266" name="Слайд think-cell" r:id="rId4" imgW="416" imgH="416" progId="TCLayout.ActiveDocument.1">
                   <p:embed/>
                 </p:oleObj>
               </mc:Choice>
@@ -5336,7 +5336,7 @@
           <a:graphicData uri="http://schemas.openxmlformats.org/presentationml/2006/ole">
             <mc:AlternateContent xmlns:mc="http://schemas.openxmlformats.org/markup-compatibility/2006">
               <mc:Choice xmlns:v="urn:schemas-microsoft-com:vml" Requires="v">
-                <p:oleObj spid="_x0000_s13322" name="Слайд think-cell" r:id="rId4" imgW="416" imgH="416" progId="TCLayout.ActiveDocument.1">
+                <p:oleObj spid="_x0000_s13323" name="Слайд think-cell" r:id="rId4" imgW="416" imgH="416" progId="TCLayout.ActiveDocument.1">
                   <p:embed/>
                 </p:oleObj>
               </mc:Choice>
@@ -6310,7 +6310,7 @@
           <a:graphicData uri="http://schemas.openxmlformats.org/presentationml/2006/ole">
             <mc:AlternateContent xmlns:mc="http://schemas.openxmlformats.org/markup-compatibility/2006">
               <mc:Choice xmlns:v="urn:schemas-microsoft-com:vml" Requires="v">
-                <p:oleObj spid="_x0000_s12312" name="Слайд think-cell" r:id="rId4" imgW="416" imgH="416" progId="TCLayout.ActiveDocument.1">
+                <p:oleObj spid="_x0000_s12313" name="Слайд think-cell" r:id="rId4" imgW="416" imgH="416" progId="TCLayout.ActiveDocument.1">
                   <p:embed/>
                 </p:oleObj>
               </mc:Choice>
@@ -17634,7 +17634,7 @@
           <a:graphicData uri="http://schemas.openxmlformats.org/presentationml/2006/ole">
             <mc:AlternateContent xmlns:mc="http://schemas.openxmlformats.org/markup-compatibility/2006">
               <mc:Choice xmlns:v="urn:schemas-microsoft-com:vml" Requires="v">
-                <p:oleObj spid="_x0000_s14342" name="Слайд think-cell" r:id="rId4" imgW="416" imgH="416" progId="TCLayout.ActiveDocument.1">
+                <p:oleObj spid="_x0000_s14343" name="Слайд think-cell" r:id="rId4" imgW="416" imgH="416" progId="TCLayout.ActiveDocument.1">
                   <p:embed/>
                 </p:oleObj>
               </mc:Choice>
